--- a/KubernetesForDevelopers-VanAzureMeetup0420.pptx
+++ b/KubernetesForDevelopers-VanAzureMeetup0420.pptx
@@ -3450,7 +3450,32 @@
             </a:r>
             <a:r>
               <a:rPr lang="en-US" baseline="0" dirty="0" smtClean="0"/>
-              <a:t> in production?</a:t>
+              <a:t> in production</a:t>
+            </a:r>
+            <a:r>
+              <a:rPr lang="en-US" baseline="0" dirty="0" smtClean="0"/>
+              <a:t>?</a:t>
+            </a:r>
+          </a:p>
+          <a:p>
+            <a:endParaRPr lang="en-US" baseline="0" dirty="0" smtClean="0"/>
+          </a:p>
+          <a:p>
+            <a:r>
+              <a:rPr lang="en-US" baseline="0" dirty="0" smtClean="0"/>
+              <a:t>my experience with </a:t>
+            </a:r>
+            <a:r>
+              <a:rPr lang="en-US" baseline="0" dirty="0" err="1" smtClean="0"/>
+              <a:t>docker</a:t>
+            </a:r>
+            <a:r>
+              <a:rPr lang="en-US" baseline="0" dirty="0" smtClean="0"/>
+              <a:t> + </a:t>
+            </a:r>
+            <a:r>
+              <a:rPr lang="en-US" baseline="0" dirty="0" err="1" smtClean="0"/>
+              <a:t>kubernetes</a:t>
             </a:r>
             <a:endParaRPr lang="en-US" dirty="0"/>
           </a:p>
@@ -9121,72 +9146,78 @@
             </a:pPr>
             <a:r>
               <a:rPr lang="en-US" sz="2800" dirty="0">
-                <a:gradFill>
-                  <a:gsLst>
-                    <a:gs pos="2917">
-                      <a:schemeClr val="tx1"/>
-                    </a:gs>
-                    <a:gs pos="30000">
-                      <a:schemeClr val="tx1"/>
-                    </a:gs>
-                  </a:gsLst>
-                  <a:lin ang="5400000" scaled="0"/>
-                </a:gradFill>
+                <a:ln w="0"/>
+                <a:effectLst>
+                  <a:outerShdw blurRad="38100" dist="19050" dir="2700000" algn="tl" rotWithShape="0">
+                    <a:schemeClr val="dk1">
+                      <a:alpha val="40000"/>
+                    </a:schemeClr>
+                  </a:outerShdw>
+                </a:effectLst>
               </a:rPr>
               <a:t>Jason </a:t>
             </a:r>
             <a:r>
               <a:rPr lang="en-US" sz="2800" dirty="0" smtClean="0">
-                <a:gradFill>
-                  <a:gsLst>
-                    <a:gs pos="2917">
-                      <a:schemeClr val="tx1"/>
-                    </a:gs>
-                    <a:gs pos="30000">
-                      <a:schemeClr val="tx1"/>
-                    </a:gs>
-                  </a:gsLst>
-                  <a:lin ang="5400000" scaled="0"/>
-                </a:gradFill>
+                <a:ln w="0"/>
+                <a:effectLst>
+                  <a:outerShdw blurRad="38100" dist="19050" dir="2700000" algn="tl" rotWithShape="0">
+                    <a:schemeClr val="dk1">
+                      <a:alpha val="40000"/>
+                    </a:schemeClr>
+                  </a:outerShdw>
+                </a:effectLst>
               </a:rPr>
               <a:t>Poon</a:t>
             </a:r>
             <a:r>
               <a:rPr lang="en-US" sz="3200" dirty="0" smtClean="0">
-                <a:gradFill>
-                  <a:gsLst>
-                    <a:gs pos="2917">
-                      <a:schemeClr val="tx1"/>
-                    </a:gs>
-                    <a:gs pos="30000">
-                      <a:schemeClr val="tx1"/>
-                    </a:gs>
-                  </a:gsLst>
-                  <a:lin ang="5400000" scaled="0"/>
-                </a:gradFill>
+                <a:ln w="0"/>
+                <a:effectLst>
+                  <a:outerShdw blurRad="38100" dist="19050" dir="2700000" algn="tl" rotWithShape="0">
+                    <a:schemeClr val="dk1">
+                      <a:alpha val="40000"/>
+                    </a:schemeClr>
+                  </a:outerShdw>
+                </a:effectLst>
               </a:rPr>
               <a:t/>
             </a:r>
             <a:br>
               <a:rPr lang="en-US" sz="3200" dirty="0" smtClean="0">
-                <a:gradFill>
-                  <a:gsLst>
-                    <a:gs pos="2917">
-                      <a:schemeClr val="tx1"/>
-                    </a:gs>
-                    <a:gs pos="30000">
-                      <a:schemeClr val="tx1"/>
-                    </a:gs>
-                  </a:gsLst>
-                  <a:lin ang="5400000" scaled="0"/>
-                </a:gradFill>
+                <a:ln w="0"/>
+                <a:effectLst>
+                  <a:outerShdw blurRad="38100" dist="19050" dir="2700000" algn="tl" rotWithShape="0">
+                    <a:schemeClr val="dk1">
+                      <a:alpha val="40000"/>
+                    </a:schemeClr>
+                  </a:outerShdw>
+                </a:effectLst>
               </a:rPr>
             </a:br>
             <a:r>
-              <a:rPr lang="en-US" sz="2000" dirty="0" smtClean="0"/>
+              <a:rPr lang="en-US" sz="2000" dirty="0" smtClean="0">
+                <a:ln w="0"/>
+                <a:effectLst>
+                  <a:outerShdw blurRad="38100" dist="19050" dir="2700000" algn="tl" rotWithShape="0">
+                    <a:schemeClr val="dk1">
+                      <a:alpha val="40000"/>
+                    </a:schemeClr>
+                  </a:outerShdw>
+                </a:effectLst>
+              </a:rPr>
               <a:t>Senior Software Developer Microsoft</a:t>
             </a:r>
-            <a:endParaRPr lang="en-US" sz="1600" dirty="0" smtClean="0"/>
+            <a:endParaRPr lang="en-US" sz="1600" dirty="0" smtClean="0">
+              <a:ln w="0"/>
+              <a:effectLst>
+                <a:outerShdw blurRad="38100" dist="19050" dir="2700000" algn="tl" rotWithShape="0">
+                  <a:schemeClr val="dk1">
+                    <a:alpha val="40000"/>
+                  </a:schemeClr>
+                </a:outerShdw>
+              </a:effectLst>
+            </a:endParaRPr>
           </a:p>
         </p:txBody>
       </p:sp>
